--- a/プレゼン/RapidCart20191024.pptx
+++ b/プレゼン/RapidCart20191024.pptx
@@ -1838,6 +1838,13 @@
         </dgm:presLayoutVars>
       </dgm:prSet>
       <dgm:spPr/>
+      <dgm:t>
+        <a:bodyPr/>
+        <a:lstStyle/>
+        <a:p>
+          <a:endParaRPr kumimoji="1" lang="ja-JP" altLang="en-US"/>
+        </a:p>
+      </dgm:t>
     </dgm:pt>
     <dgm:pt modelId="{7CF39EF7-B01F-481E-8E33-E7254B867A7E}" type="pres">
       <dgm:prSet presAssocID="{3696FA43-5EA5-485B-8FA9-15E16460BB75}" presName="parentLin" presStyleCnt="0"/>
@@ -1846,6 +1853,13 @@
     <dgm:pt modelId="{12AA5B46-D7B9-40A1-888D-389673AD49EA}" type="pres">
       <dgm:prSet presAssocID="{3696FA43-5EA5-485B-8FA9-15E16460BB75}" presName="parentLeftMargin" presStyleLbl="node1" presStyleIdx="0" presStyleCnt="2"/>
       <dgm:spPr/>
+      <dgm:t>
+        <a:bodyPr/>
+        <a:lstStyle/>
+        <a:p>
+          <a:endParaRPr kumimoji="1" lang="ja-JP" altLang="en-US"/>
+        </a:p>
+      </dgm:t>
     </dgm:pt>
     <dgm:pt modelId="{42CC93CF-C8B8-4A09-B49E-DE392EA835A5}" type="pres">
       <dgm:prSet presAssocID="{3696FA43-5EA5-485B-8FA9-15E16460BB75}" presName="parentText" presStyleLbl="node1" presStyleIdx="0" presStyleCnt="2">
@@ -1893,6 +1907,13 @@
     <dgm:pt modelId="{55F25023-44C3-4DCA-8A57-1CBC7D16E3A2}" type="pres">
       <dgm:prSet presAssocID="{276C945F-B722-4FE6-BD58-324CA51B1865}" presName="parentLeftMargin" presStyleLbl="node1" presStyleIdx="0" presStyleCnt="2"/>
       <dgm:spPr/>
+      <dgm:t>
+        <a:bodyPr/>
+        <a:lstStyle/>
+        <a:p>
+          <a:endParaRPr kumimoji="1" lang="ja-JP" altLang="en-US"/>
+        </a:p>
+      </dgm:t>
     </dgm:pt>
     <dgm:pt modelId="{90D60B34-0BAA-4888-9B1C-C1F9A7BC4F1E}" type="pres">
       <dgm:prSet presAssocID="{276C945F-B722-4FE6-BD58-324CA51B1865}" presName="parentText" presStyleLbl="node1" presStyleIdx="1" presStyleCnt="2">
@@ -1902,6 +1923,13 @@
         </dgm:presLayoutVars>
       </dgm:prSet>
       <dgm:spPr/>
+      <dgm:t>
+        <a:bodyPr/>
+        <a:lstStyle/>
+        <a:p>
+          <a:endParaRPr kumimoji="1" lang="ja-JP" altLang="en-US"/>
+        </a:p>
+      </dgm:t>
     </dgm:pt>
     <dgm:pt modelId="{3941F3F1-0ECA-4180-8BC6-2E2BDA831CA5}" type="pres">
       <dgm:prSet presAssocID="{276C945F-B722-4FE6-BD58-324CA51B1865}" presName="negativeSpace" presStyleCnt="0"/>
@@ -1924,19 +1952,19 @@
     </dgm:pt>
   </dgm:ptLst>
   <dgm:cxnLst>
+    <dgm:cxn modelId="{69198D35-C7E4-4254-B54B-3F4C6CDC959F}" type="presOf" srcId="{23C4F89A-60A5-4A5A-B670-50E364FA20EA}" destId="{00D0DED6-7A21-48ED-B9C1-3C2ED8FD8627}" srcOrd="0" destOrd="0" presId="urn:microsoft.com/office/officeart/2005/8/layout/list1"/>
+    <dgm:cxn modelId="{CCAB5717-C441-46D4-81C4-1DC754DA7D80}" type="presOf" srcId="{601B0A84-C050-4CD8-ACEC-C5A182E9EBA9}" destId="{4525994C-4E04-4F22-A310-E8FEBAB87FCA}" srcOrd="0" destOrd="0" presId="urn:microsoft.com/office/officeart/2005/8/layout/list1"/>
+    <dgm:cxn modelId="{D1F0E63C-1DD0-4157-ABD1-BC59EEAE127B}" type="presOf" srcId="{276C945F-B722-4FE6-BD58-324CA51B1865}" destId="{90D60B34-0BAA-4888-9B1C-C1F9A7BC4F1E}" srcOrd="1" destOrd="0" presId="urn:microsoft.com/office/officeart/2005/8/layout/list1"/>
+    <dgm:cxn modelId="{CD4ABF46-02F4-4095-AE19-EC9694EDDE4F}" type="presOf" srcId="{86BD2A08-7A9D-4EEB-AB67-49C08EBD579A}" destId="{4525994C-4E04-4F22-A310-E8FEBAB87FCA}" srcOrd="0" destOrd="1" presId="urn:microsoft.com/office/officeart/2005/8/layout/list1"/>
     <dgm:cxn modelId="{619D4CB8-5A4F-4323-A939-A2915DD85A26}" srcId="{23C4F89A-60A5-4A5A-B670-50E364FA20EA}" destId="{3696FA43-5EA5-485B-8FA9-15E16460BB75}" srcOrd="0" destOrd="0" parTransId="{46AE4748-CA5C-4899-AD39-3FDA58A2136E}" sibTransId="{6CBF6BAE-B6EC-48B8-8BB9-B5B30C4E1AC2}"/>
-    <dgm:cxn modelId="{69198D35-C7E4-4254-B54B-3F4C6CDC959F}" type="presOf" srcId="{23C4F89A-60A5-4A5A-B670-50E364FA20EA}" destId="{00D0DED6-7A21-48ED-B9C1-3C2ED8FD8627}" srcOrd="0" destOrd="0" presId="urn:microsoft.com/office/officeart/2005/8/layout/list1"/>
     <dgm:cxn modelId="{DBB4874F-CD88-4F0C-BBEA-7EF3A8E0B604}" srcId="{276C945F-B722-4FE6-BD58-324CA51B1865}" destId="{86BD2A08-7A9D-4EEB-AB67-49C08EBD579A}" srcOrd="1" destOrd="0" parTransId="{DC9491B5-43D8-4F60-B252-E80AD3D7E858}" sibTransId="{98622CE3-6AFC-495E-82A9-C8B69A66AFAE}"/>
-    <dgm:cxn modelId="{F8721961-910D-4128-BAAF-24F192EB91B6}" srcId="{3696FA43-5EA5-485B-8FA9-15E16460BB75}" destId="{6452BECF-9F7C-4B0E-BC14-FD5BD8F4EBC7}" srcOrd="0" destOrd="0" parTransId="{1A1D700A-E4A2-436A-8352-61120E57A9A2}" sibTransId="{84502073-0406-4998-A2E9-4CACCEB533AC}"/>
-    <dgm:cxn modelId="{CCAB5717-C441-46D4-81C4-1DC754DA7D80}" type="presOf" srcId="{601B0A84-C050-4CD8-ACEC-C5A182E9EBA9}" destId="{4525994C-4E04-4F22-A310-E8FEBAB87FCA}" srcOrd="0" destOrd="0" presId="urn:microsoft.com/office/officeart/2005/8/layout/list1"/>
     <dgm:cxn modelId="{5176BD44-84A0-4262-8526-FE2B8BE1883D}" type="presOf" srcId="{3696FA43-5EA5-485B-8FA9-15E16460BB75}" destId="{42CC93CF-C8B8-4A09-B49E-DE392EA835A5}" srcOrd="1" destOrd="0" presId="urn:microsoft.com/office/officeart/2005/8/layout/list1"/>
+    <dgm:cxn modelId="{D5230DD1-FEF4-4A15-9139-7926B067108B}" srcId="{276C945F-B722-4FE6-BD58-324CA51B1865}" destId="{601B0A84-C050-4CD8-ACEC-C5A182E9EBA9}" srcOrd="0" destOrd="0" parTransId="{2CDE85E9-FDB5-49C8-B3AA-1DF27E09ED70}" sibTransId="{205DFF44-6ABB-42B8-BCAF-F31875DEAD38}"/>
     <dgm:cxn modelId="{62193189-BAF6-4CEB-9BC9-A49686A08CD1}" type="presOf" srcId="{3696FA43-5EA5-485B-8FA9-15E16460BB75}" destId="{12AA5B46-D7B9-40A1-888D-389673AD49EA}" srcOrd="0" destOrd="0" presId="urn:microsoft.com/office/officeart/2005/8/layout/list1"/>
     <dgm:cxn modelId="{A7031F47-39C4-4232-8EB3-BC08F4C49A3F}" type="presOf" srcId="{276C945F-B722-4FE6-BD58-324CA51B1865}" destId="{55F25023-44C3-4DCA-8A57-1CBC7D16E3A2}" srcOrd="0" destOrd="0" presId="urn:microsoft.com/office/officeart/2005/8/layout/list1"/>
+    <dgm:cxn modelId="{F8721961-910D-4128-BAAF-24F192EB91B6}" srcId="{3696FA43-5EA5-485B-8FA9-15E16460BB75}" destId="{6452BECF-9F7C-4B0E-BC14-FD5BD8F4EBC7}" srcOrd="0" destOrd="0" parTransId="{1A1D700A-E4A2-436A-8352-61120E57A9A2}" sibTransId="{84502073-0406-4998-A2E9-4CACCEB533AC}"/>
     <dgm:cxn modelId="{828004CE-2E91-47B8-9B7B-AB15ED0C0500}" srcId="{23C4F89A-60A5-4A5A-B670-50E364FA20EA}" destId="{276C945F-B722-4FE6-BD58-324CA51B1865}" srcOrd="1" destOrd="0" parTransId="{EC868223-37D4-4A02-AF84-ACE3A627B034}" sibTransId="{77726FC6-EB65-4EB1-BF70-67D42A59AE27}"/>
-    <dgm:cxn modelId="{D5230DD1-FEF4-4A15-9139-7926B067108B}" srcId="{276C945F-B722-4FE6-BD58-324CA51B1865}" destId="{601B0A84-C050-4CD8-ACEC-C5A182E9EBA9}" srcOrd="0" destOrd="0" parTransId="{2CDE85E9-FDB5-49C8-B3AA-1DF27E09ED70}" sibTransId="{205DFF44-6ABB-42B8-BCAF-F31875DEAD38}"/>
     <dgm:cxn modelId="{434B15E1-8DD0-430E-99FB-A9F00BF7D3BE}" type="presOf" srcId="{6452BECF-9F7C-4B0E-BC14-FD5BD8F4EBC7}" destId="{53F9B65F-2425-414C-B9E1-4504795958E5}" srcOrd="0" destOrd="0" presId="urn:microsoft.com/office/officeart/2005/8/layout/list1"/>
-    <dgm:cxn modelId="{D1F0E63C-1DD0-4157-ABD1-BC59EEAE127B}" type="presOf" srcId="{276C945F-B722-4FE6-BD58-324CA51B1865}" destId="{90D60B34-0BAA-4888-9B1C-C1F9A7BC4F1E}" srcOrd="1" destOrd="0" presId="urn:microsoft.com/office/officeart/2005/8/layout/list1"/>
-    <dgm:cxn modelId="{CD4ABF46-02F4-4095-AE19-EC9694EDDE4F}" type="presOf" srcId="{86BD2A08-7A9D-4EEB-AB67-49C08EBD579A}" destId="{4525994C-4E04-4F22-A310-E8FEBAB87FCA}" srcOrd="0" destOrd="1" presId="urn:microsoft.com/office/officeart/2005/8/layout/list1"/>
     <dgm:cxn modelId="{B4323C33-EDE4-4097-9328-88A65DE4880C}" type="presParOf" srcId="{00D0DED6-7A21-48ED-B9C1-3C2ED8FD8627}" destId="{7CF39EF7-B01F-481E-8E33-E7254B867A7E}" srcOrd="0" destOrd="0" presId="urn:microsoft.com/office/officeart/2005/8/layout/list1"/>
     <dgm:cxn modelId="{7B9EA778-67C6-4D16-A0DC-A73270AC1AEF}" type="presParOf" srcId="{7CF39EF7-B01F-481E-8E33-E7254B867A7E}" destId="{12AA5B46-D7B9-40A1-888D-389673AD49EA}" srcOrd="0" destOrd="0" presId="urn:microsoft.com/office/officeart/2005/8/layout/list1"/>
     <dgm:cxn modelId="{17228092-D624-48C7-B1EE-041BB0950966}" type="presParOf" srcId="{7CF39EF7-B01F-481E-8E33-E7254B867A7E}" destId="{42CC93CF-C8B8-4A09-B49E-DE392EA835A5}" srcOrd="1" destOrd="0" presId="urn:microsoft.com/office/officeart/2005/8/layout/list1"/>
@@ -2175,6 +2203,13 @@
         </dgm:presLayoutVars>
       </dgm:prSet>
       <dgm:spPr/>
+      <dgm:t>
+        <a:bodyPr/>
+        <a:lstStyle/>
+        <a:p>
+          <a:endParaRPr kumimoji="1" lang="ja-JP" altLang="en-US"/>
+        </a:p>
+      </dgm:t>
     </dgm:pt>
     <dgm:pt modelId="{7CF39EF7-B01F-481E-8E33-E7254B867A7E}" type="pres">
       <dgm:prSet presAssocID="{3696FA43-5EA5-485B-8FA9-15E16460BB75}" presName="parentLin" presStyleCnt="0"/>
@@ -2183,6 +2218,13 @@
     <dgm:pt modelId="{12AA5B46-D7B9-40A1-888D-389673AD49EA}" type="pres">
       <dgm:prSet presAssocID="{3696FA43-5EA5-485B-8FA9-15E16460BB75}" presName="parentLeftMargin" presStyleLbl="node1" presStyleIdx="0" presStyleCnt="2"/>
       <dgm:spPr/>
+      <dgm:t>
+        <a:bodyPr/>
+        <a:lstStyle/>
+        <a:p>
+          <a:endParaRPr kumimoji="1" lang="ja-JP" altLang="en-US"/>
+        </a:p>
+      </dgm:t>
     </dgm:pt>
     <dgm:pt modelId="{42CC93CF-C8B8-4A09-B49E-DE392EA835A5}" type="pres">
       <dgm:prSet presAssocID="{3696FA43-5EA5-485B-8FA9-15E16460BB75}" presName="parentText" presStyleLbl="node1" presStyleIdx="0" presStyleCnt="2">
@@ -2230,6 +2272,13 @@
     <dgm:pt modelId="{55F25023-44C3-4DCA-8A57-1CBC7D16E3A2}" type="pres">
       <dgm:prSet presAssocID="{276C945F-B722-4FE6-BD58-324CA51B1865}" presName="parentLeftMargin" presStyleLbl="node1" presStyleIdx="0" presStyleCnt="2"/>
       <dgm:spPr/>
+      <dgm:t>
+        <a:bodyPr/>
+        <a:lstStyle/>
+        <a:p>
+          <a:endParaRPr kumimoji="1" lang="ja-JP" altLang="en-US"/>
+        </a:p>
+      </dgm:t>
     </dgm:pt>
     <dgm:pt modelId="{90D60B34-0BAA-4888-9B1C-C1F9A7BC4F1E}" type="pres">
       <dgm:prSet presAssocID="{276C945F-B722-4FE6-BD58-324CA51B1865}" presName="parentText" presStyleLbl="node1" presStyleIdx="1" presStyleCnt="2">
@@ -2239,6 +2288,13 @@
         </dgm:presLayoutVars>
       </dgm:prSet>
       <dgm:spPr/>
+      <dgm:t>
+        <a:bodyPr/>
+        <a:lstStyle/>
+        <a:p>
+          <a:endParaRPr kumimoji="1" lang="ja-JP" altLang="en-US"/>
+        </a:p>
+      </dgm:t>
     </dgm:pt>
     <dgm:pt modelId="{3941F3F1-0ECA-4180-8BC6-2E2BDA831CA5}" type="pres">
       <dgm:prSet presAssocID="{276C945F-B722-4FE6-BD58-324CA51B1865}" presName="negativeSpace" presStyleCnt="0"/>
@@ -2261,19 +2317,19 @@
     </dgm:pt>
   </dgm:ptLst>
   <dgm:cxnLst>
-    <dgm:cxn modelId="{62193189-BAF6-4CEB-9BC9-A49686A08CD1}" type="presOf" srcId="{3696FA43-5EA5-485B-8FA9-15E16460BB75}" destId="{12AA5B46-D7B9-40A1-888D-389673AD49EA}" srcOrd="0" destOrd="0" presId="urn:microsoft.com/office/officeart/2005/8/layout/list1"/>
+    <dgm:cxn modelId="{69198D35-C7E4-4254-B54B-3F4C6CDC959F}" type="presOf" srcId="{23C4F89A-60A5-4A5A-B670-50E364FA20EA}" destId="{00D0DED6-7A21-48ED-B9C1-3C2ED8FD8627}" srcOrd="0" destOrd="0" presId="urn:microsoft.com/office/officeart/2005/8/layout/list1"/>
+    <dgm:cxn modelId="{CCAB5717-C441-46D4-81C4-1DC754DA7D80}" type="presOf" srcId="{601B0A84-C050-4CD8-ACEC-C5A182E9EBA9}" destId="{4525994C-4E04-4F22-A310-E8FEBAB87FCA}" srcOrd="0" destOrd="0" presId="urn:microsoft.com/office/officeart/2005/8/layout/list1"/>
     <dgm:cxn modelId="{D1F0E63C-1DD0-4157-ABD1-BC59EEAE127B}" type="presOf" srcId="{276C945F-B722-4FE6-BD58-324CA51B1865}" destId="{90D60B34-0BAA-4888-9B1C-C1F9A7BC4F1E}" srcOrd="1" destOrd="0" presId="urn:microsoft.com/office/officeart/2005/8/layout/list1"/>
     <dgm:cxn modelId="{619D4CB8-5A4F-4323-A939-A2915DD85A26}" srcId="{23C4F89A-60A5-4A5A-B670-50E364FA20EA}" destId="{3696FA43-5EA5-485B-8FA9-15E16460BB75}" srcOrd="0" destOrd="0" parTransId="{46AE4748-CA5C-4899-AD39-3FDA58A2136E}" sibTransId="{6CBF6BAE-B6EC-48B8-8BB9-B5B30C4E1AC2}"/>
-    <dgm:cxn modelId="{828004CE-2E91-47B8-9B7B-AB15ED0C0500}" srcId="{23C4F89A-60A5-4A5A-B670-50E364FA20EA}" destId="{276C945F-B722-4FE6-BD58-324CA51B1865}" srcOrd="1" destOrd="0" parTransId="{EC868223-37D4-4A02-AF84-ACE3A627B034}" sibTransId="{77726FC6-EB65-4EB1-BF70-67D42A59AE27}"/>
-    <dgm:cxn modelId="{A7031F47-39C4-4232-8EB3-BC08F4C49A3F}" type="presOf" srcId="{276C945F-B722-4FE6-BD58-324CA51B1865}" destId="{55F25023-44C3-4DCA-8A57-1CBC7D16E3A2}" srcOrd="0" destOrd="0" presId="urn:microsoft.com/office/officeart/2005/8/layout/list1"/>
-    <dgm:cxn modelId="{CCAB5717-C441-46D4-81C4-1DC754DA7D80}" type="presOf" srcId="{601B0A84-C050-4CD8-ACEC-C5A182E9EBA9}" destId="{4525994C-4E04-4F22-A310-E8FEBAB87FCA}" srcOrd="0" destOrd="0" presId="urn:microsoft.com/office/officeart/2005/8/layout/list1"/>
-    <dgm:cxn modelId="{69198D35-C7E4-4254-B54B-3F4C6CDC959F}" type="presOf" srcId="{23C4F89A-60A5-4A5A-B670-50E364FA20EA}" destId="{00D0DED6-7A21-48ED-B9C1-3C2ED8FD8627}" srcOrd="0" destOrd="0" presId="urn:microsoft.com/office/officeart/2005/8/layout/list1"/>
-    <dgm:cxn modelId="{F8721961-910D-4128-BAAF-24F192EB91B6}" srcId="{3696FA43-5EA5-485B-8FA9-15E16460BB75}" destId="{6452BECF-9F7C-4B0E-BC14-FD5BD8F4EBC7}" srcOrd="0" destOrd="0" parTransId="{1A1D700A-E4A2-436A-8352-61120E57A9A2}" sibTransId="{84502073-0406-4998-A2E9-4CACCEB533AC}"/>
     <dgm:cxn modelId="{5176BD44-84A0-4262-8526-FE2B8BE1883D}" type="presOf" srcId="{3696FA43-5EA5-485B-8FA9-15E16460BB75}" destId="{42CC93CF-C8B8-4A09-B49E-DE392EA835A5}" srcOrd="1" destOrd="0" presId="urn:microsoft.com/office/officeart/2005/8/layout/list1"/>
-    <dgm:cxn modelId="{434B15E1-8DD0-430E-99FB-A9F00BF7D3BE}" type="presOf" srcId="{6452BECF-9F7C-4B0E-BC14-FD5BD8F4EBC7}" destId="{53F9B65F-2425-414C-B9E1-4504795958E5}" srcOrd="0" destOrd="0" presId="urn:microsoft.com/office/officeart/2005/8/layout/list1"/>
     <dgm:cxn modelId="{352C194B-D923-46FA-A778-C0E9808B9A4E}" srcId="{3696FA43-5EA5-485B-8FA9-15E16460BB75}" destId="{D8C0C8DE-45D6-4DB0-8E24-B0563D9F24B9}" srcOrd="1" destOrd="0" parTransId="{E13887D4-708D-4D63-B684-A3A546E80A57}" sibTransId="{C15E9F5E-9836-4F96-BC07-AF1761DDC14B}"/>
     <dgm:cxn modelId="{D5230DD1-FEF4-4A15-9139-7926B067108B}" srcId="{276C945F-B722-4FE6-BD58-324CA51B1865}" destId="{601B0A84-C050-4CD8-ACEC-C5A182E9EBA9}" srcOrd="0" destOrd="0" parTransId="{2CDE85E9-FDB5-49C8-B3AA-1DF27E09ED70}" sibTransId="{205DFF44-6ABB-42B8-BCAF-F31875DEAD38}"/>
     <dgm:cxn modelId="{DAE06CA0-4605-4A6C-BD65-AB229CBFA626}" type="presOf" srcId="{D8C0C8DE-45D6-4DB0-8E24-B0563D9F24B9}" destId="{53F9B65F-2425-414C-B9E1-4504795958E5}" srcOrd="0" destOrd="1" presId="urn:microsoft.com/office/officeart/2005/8/layout/list1"/>
+    <dgm:cxn modelId="{62193189-BAF6-4CEB-9BC9-A49686A08CD1}" type="presOf" srcId="{3696FA43-5EA5-485B-8FA9-15E16460BB75}" destId="{12AA5B46-D7B9-40A1-888D-389673AD49EA}" srcOrd="0" destOrd="0" presId="urn:microsoft.com/office/officeart/2005/8/layout/list1"/>
+    <dgm:cxn modelId="{A7031F47-39C4-4232-8EB3-BC08F4C49A3F}" type="presOf" srcId="{276C945F-B722-4FE6-BD58-324CA51B1865}" destId="{55F25023-44C3-4DCA-8A57-1CBC7D16E3A2}" srcOrd="0" destOrd="0" presId="urn:microsoft.com/office/officeart/2005/8/layout/list1"/>
+    <dgm:cxn modelId="{F8721961-910D-4128-BAAF-24F192EB91B6}" srcId="{3696FA43-5EA5-485B-8FA9-15E16460BB75}" destId="{6452BECF-9F7C-4B0E-BC14-FD5BD8F4EBC7}" srcOrd="0" destOrd="0" parTransId="{1A1D700A-E4A2-436A-8352-61120E57A9A2}" sibTransId="{84502073-0406-4998-A2E9-4CACCEB533AC}"/>
+    <dgm:cxn modelId="{828004CE-2E91-47B8-9B7B-AB15ED0C0500}" srcId="{23C4F89A-60A5-4A5A-B670-50E364FA20EA}" destId="{276C945F-B722-4FE6-BD58-324CA51B1865}" srcOrd="1" destOrd="0" parTransId="{EC868223-37D4-4A02-AF84-ACE3A627B034}" sibTransId="{77726FC6-EB65-4EB1-BF70-67D42A59AE27}"/>
+    <dgm:cxn modelId="{434B15E1-8DD0-430E-99FB-A9F00BF7D3BE}" type="presOf" srcId="{6452BECF-9F7C-4B0E-BC14-FD5BD8F4EBC7}" destId="{53F9B65F-2425-414C-B9E1-4504795958E5}" srcOrd="0" destOrd="0" presId="urn:microsoft.com/office/officeart/2005/8/layout/list1"/>
     <dgm:cxn modelId="{B4323C33-EDE4-4097-9328-88A65DE4880C}" type="presParOf" srcId="{00D0DED6-7A21-48ED-B9C1-3C2ED8FD8627}" destId="{7CF39EF7-B01F-481E-8E33-E7254B867A7E}" srcOrd="0" destOrd="0" presId="urn:microsoft.com/office/officeart/2005/8/layout/list1"/>
     <dgm:cxn modelId="{7B9EA778-67C6-4D16-A0DC-A73270AC1AEF}" type="presParOf" srcId="{7CF39EF7-B01F-481E-8E33-E7254B867A7E}" destId="{12AA5B46-D7B9-40A1-888D-389673AD49EA}" srcOrd="0" destOrd="0" presId="urn:microsoft.com/office/officeart/2005/8/layout/list1"/>
     <dgm:cxn modelId="{17228092-D624-48C7-B1EE-041BB0950966}" type="presParOf" srcId="{7CF39EF7-B01F-481E-8E33-E7254B867A7E}" destId="{42CC93CF-C8B8-4A09-B49E-DE392EA835A5}" srcOrd="1" destOrd="0" presId="urn:microsoft.com/office/officeart/2005/8/layout/list1"/>
@@ -5734,7 +5790,7 @@
           <a:p>
             <a:fld id="{E50F9C81-DB02-44DB-A10A-141CA506DBCE}" type="datetimeFigureOut">
               <a:rPr kumimoji="1" lang="ja-JP" altLang="en-US" smtClean="0"/>
-              <a:t>2019/10/24</a:t>
+              <a:t>2019/12/3</a:t>
             </a:fld>
             <a:endParaRPr kumimoji="1" lang="ja-JP" altLang="en-US"/>
           </a:p>
@@ -5981,7 +6037,7 @@
           <a:p>
             <a:fld id="{E50F9C81-DB02-44DB-A10A-141CA506DBCE}" type="datetimeFigureOut">
               <a:rPr kumimoji="1" lang="ja-JP" altLang="en-US" smtClean="0"/>
-              <a:t>2019/10/24</a:t>
+              <a:t>2019/12/3</a:t>
             </a:fld>
             <a:endParaRPr kumimoji="1" lang="ja-JP" altLang="en-US"/>
           </a:p>
@@ -6276,7 +6332,7 @@
           <a:p>
             <a:fld id="{E50F9C81-DB02-44DB-A10A-141CA506DBCE}" type="datetimeFigureOut">
               <a:rPr kumimoji="1" lang="ja-JP" altLang="en-US" smtClean="0"/>
-              <a:t>2019/10/24</a:t>
+              <a:t>2019/12/3</a:t>
             </a:fld>
             <a:endParaRPr kumimoji="1" lang="ja-JP" altLang="en-US"/>
           </a:p>
@@ -6505,7 +6561,7 @@
           <a:p>
             <a:fld id="{E50F9C81-DB02-44DB-A10A-141CA506DBCE}" type="datetimeFigureOut">
               <a:rPr kumimoji="1" lang="ja-JP" altLang="en-US" smtClean="0"/>
-              <a:t>2019/10/24</a:t>
+              <a:t>2019/12/3</a:t>
             </a:fld>
             <a:endParaRPr kumimoji="1" lang="ja-JP" altLang="en-US"/>
           </a:p>
@@ -6855,7 +6911,7 @@
           <a:p>
             <a:fld id="{E50F9C81-DB02-44DB-A10A-141CA506DBCE}" type="datetimeFigureOut">
               <a:rPr kumimoji="1" lang="ja-JP" altLang="en-US" smtClean="0"/>
-              <a:t>2019/10/24</a:t>
+              <a:t>2019/12/3</a:t>
             </a:fld>
             <a:endParaRPr kumimoji="1" lang="ja-JP" altLang="en-US"/>
           </a:p>
@@ -7242,7 +7298,7 @@
             <a:fld id="{E50F9C81-DB02-44DB-A10A-141CA506DBCE}" type="datetimeFigureOut">
               <a:rPr lang="ja-JP" altLang="en-US" smtClean="0"/>
               <a:pPr/>
-              <a:t>2019/10/24</a:t>
+              <a:t>2019/12/3</a:t>
             </a:fld>
             <a:endParaRPr lang="ja-JP" altLang="en-US"/>
           </a:p>
@@ -7733,7 +7789,7 @@
           <a:p>
             <a:fld id="{E50F9C81-DB02-44DB-A10A-141CA506DBCE}" type="datetimeFigureOut">
               <a:rPr kumimoji="1" lang="ja-JP" altLang="en-US" smtClean="0"/>
-              <a:t>2019/10/24</a:t>
+              <a:t>2019/12/3</a:t>
             </a:fld>
             <a:endParaRPr kumimoji="1" lang="ja-JP" altLang="en-US"/>
           </a:p>
@@ -7858,7 +7914,7 @@
           <a:p>
             <a:fld id="{E50F9C81-DB02-44DB-A10A-141CA506DBCE}" type="datetimeFigureOut">
               <a:rPr kumimoji="1" lang="ja-JP" altLang="en-US" smtClean="0"/>
-              <a:t>2019/10/24</a:t>
+              <a:t>2019/12/3</a:t>
             </a:fld>
             <a:endParaRPr kumimoji="1" lang="ja-JP" altLang="en-US"/>
           </a:p>
@@ -8036,7 +8092,7 @@
           <a:p>
             <a:fld id="{E50F9C81-DB02-44DB-A10A-141CA506DBCE}" type="datetimeFigureOut">
               <a:rPr kumimoji="1" lang="ja-JP" altLang="en-US" smtClean="0"/>
-              <a:t>2019/10/24</a:t>
+              <a:t>2019/12/3</a:t>
             </a:fld>
             <a:endParaRPr kumimoji="1" lang="ja-JP" altLang="en-US"/>
           </a:p>
@@ -8429,7 +8485,7 @@
           <a:p>
             <a:fld id="{E50F9C81-DB02-44DB-A10A-141CA506DBCE}" type="datetimeFigureOut">
               <a:rPr kumimoji="1" lang="ja-JP" altLang="en-US" smtClean="0"/>
-              <a:t>2019/10/24</a:t>
+              <a:t>2019/12/3</a:t>
             </a:fld>
             <a:endParaRPr kumimoji="1" lang="ja-JP" altLang="en-US"/>
           </a:p>
@@ -8806,7 +8862,7 @@
           <a:p>
             <a:fld id="{E50F9C81-DB02-44DB-A10A-141CA506DBCE}" type="datetimeFigureOut">
               <a:rPr kumimoji="1" lang="ja-JP" altLang="en-US" smtClean="0"/>
-              <a:t>2019/10/24</a:t>
+              <a:t>2019/12/3</a:t>
             </a:fld>
             <a:endParaRPr kumimoji="1" lang="ja-JP" altLang="en-US"/>
           </a:p>
@@ -9125,7 +9181,7 @@
           <a:p>
             <a:fld id="{E50F9C81-DB02-44DB-A10A-141CA506DBCE}" type="datetimeFigureOut">
               <a:rPr kumimoji="1" lang="ja-JP" altLang="en-US" smtClean="0"/>
-              <a:t>2019/10/24</a:t>
+              <a:t>2019/12/3</a:t>
             </a:fld>
             <a:endParaRPr kumimoji="1" lang="ja-JP" altLang="en-US"/>
           </a:p>
@@ -11278,11 +11334,7 @@
             </a:pPr>
             <a:r>
               <a:rPr kumimoji="1" lang="ja-JP" altLang="en-US" sz="4000" smtClean="0"/>
-              <a:t>役割</a:t>
-            </a:r>
-            <a:r>
-              <a:rPr kumimoji="1" lang="ja-JP" altLang="en-US" sz="4000" smtClean="0"/>
-              <a:t>分担</a:t>
+              <a:t>役割分担</a:t>
             </a:r>
             <a:endParaRPr kumimoji="1" lang="en-US" altLang="ja-JP" sz="4000" smtClean="0"/>
           </a:p>
@@ -11457,11 +11509,7 @@
             </a:r>
             <a:r>
               <a:rPr lang="ja-JP" altLang="en-US" sz="3600" smtClean="0"/>
-              <a:t>の</a:t>
-            </a:r>
-            <a:r>
-              <a:rPr lang="ja-JP" altLang="en-US" sz="3600" smtClean="0"/>
-              <a:t>概要（</a:t>
+              <a:t>の概要（</a:t>
             </a:r>
             <a:r>
               <a:rPr lang="en-US" altLang="ja-JP" sz="3600" smtClean="0"/>
